--- a/Report.pptx
+++ b/Report.pptx
@@ -5,18 +5,17 @@
     <p:sldMasterId id="2147483648" r:id="rId1"/>
   </p:sldMasterIdLst>
   <p:sldIdLst>
-    <p:sldId id="258" r:id="rId2"/>
-    <p:sldId id="256" r:id="rId3"/>
-    <p:sldId id="257" r:id="rId4"/>
-    <p:sldId id="259" r:id="rId5"/>
-    <p:sldId id="265" r:id="rId6"/>
-    <p:sldId id="266" r:id="rId7"/>
-    <p:sldId id="260" r:id="rId8"/>
-    <p:sldId id="261" r:id="rId9"/>
-    <p:sldId id="262" r:id="rId10"/>
-    <p:sldId id="263" r:id="rId11"/>
-    <p:sldId id="264" r:id="rId12"/>
-    <p:sldId id="267" r:id="rId13"/>
+    <p:sldId id="256" r:id="rId2"/>
+    <p:sldId id="257" r:id="rId3"/>
+    <p:sldId id="259" r:id="rId4"/>
+    <p:sldId id="265" r:id="rId5"/>
+    <p:sldId id="266" r:id="rId6"/>
+    <p:sldId id="260" r:id="rId7"/>
+    <p:sldId id="261" r:id="rId8"/>
+    <p:sldId id="262" r:id="rId9"/>
+    <p:sldId id="263" r:id="rId10"/>
+    <p:sldId id="264" r:id="rId11"/>
+    <p:sldId id="267" r:id="rId12"/>
   </p:sldIdLst>
   <p:sldSz cx="12192000" cy="6858000"/>
   <p:notesSz cx="6858000" cy="9144000"/>
@@ -115,6 +114,11 @@
       </a:defRPr>
     </a:lvl9pPr>
   </p:defaultTextStyle>
+  <p:extLst>
+    <p:ext uri="{EFAFB233-063F-42B5-8137-9DF3F51BA10A}">
+      <p15:sldGuideLst xmlns:p15="http://schemas.microsoft.com/office/powerpoint/2012/main"/>
+    </p:ext>
+  </p:extLst>
 </p:presentation>
 </file>
 
@@ -168,7 +172,7 @@
           <a:noFill/>
           <a:extLst>
             <a:ext uri="{909E8E84-426E-40dd-AFC4-6F175D3DCCD1}">
-              <a14:hiddenFill xmlns:a14="http://schemas.microsoft.com/office/drawing/2010/main" xmlns="">
+              <a14:hiddenFill xmlns="" xmlns:a14="http://schemas.microsoft.com/office/drawing/2010/main">
                 <a:solidFill>
                   <a:srgbClr val="FFFFFF"/>
                 </a:solidFill>
@@ -228,7 +232,7 @@
             </a:ln>
             <a:extLst>
               <a:ext uri="{91240B29-F687-4f45-9708-019B960494DF}">
-                <a14:hiddenLine xmlns:a14="http://schemas.microsoft.com/office/drawing/2010/main" xmlns="" w="9525">
+                <a14:hiddenLine xmlns="" xmlns:a14="http://schemas.microsoft.com/office/drawing/2010/main" w="9525">
                   <a:solidFill>
                     <a:srgbClr val="000000"/>
                   </a:solidFill>
@@ -318,7 +322,7 @@
             </a:ln>
             <a:extLst>
               <a:ext uri="{91240B29-F687-4f45-9708-019B960494DF}">
-                <a14:hiddenLine xmlns:a14="http://schemas.microsoft.com/office/drawing/2010/main" xmlns="" w="9525">
+                <a14:hiddenLine xmlns="" xmlns:a14="http://schemas.microsoft.com/office/drawing/2010/main" w="9525">
                   <a:solidFill>
                     <a:srgbClr val="000000"/>
                   </a:solidFill>
@@ -408,7 +412,7 @@
             </a:ln>
             <a:extLst>
               <a:ext uri="{91240B29-F687-4f45-9708-019B960494DF}">
-                <a14:hiddenLine xmlns:a14="http://schemas.microsoft.com/office/drawing/2010/main" xmlns="" w="9525">
+                <a14:hiddenLine xmlns="" xmlns:a14="http://schemas.microsoft.com/office/drawing/2010/main" w="9525">
                   <a:solidFill>
                     <a:srgbClr val="000000"/>
                   </a:solidFill>
@@ -442,7 +446,7 @@
             </a:ln>
             <a:extLst>
               <a:ext uri="{91240B29-F687-4f45-9708-019B960494DF}">
-                <a14:hiddenLine xmlns:a14="http://schemas.microsoft.com/office/drawing/2010/main" xmlns="" w="9525">
+                <a14:hiddenLine xmlns="" xmlns:a14="http://schemas.microsoft.com/office/drawing/2010/main" w="9525">
                   <a:solidFill>
                     <a:srgbClr val="000000"/>
                   </a:solidFill>
@@ -532,7 +536,7 @@
             </a:ln>
             <a:extLst>
               <a:ext uri="{91240B29-F687-4f45-9708-019B960494DF}">
-                <a14:hiddenLine xmlns:a14="http://schemas.microsoft.com/office/drawing/2010/main" xmlns="" w="9525">
+                <a14:hiddenLine xmlns="" xmlns:a14="http://schemas.microsoft.com/office/drawing/2010/main" w="9525">
                   <a:solidFill>
                     <a:srgbClr val="000000"/>
                   </a:solidFill>
@@ -594,7 +598,7 @@
             </a:ln>
             <a:extLst>
               <a:ext uri="{91240B29-F687-4f45-9708-019B960494DF}">
-                <a14:hiddenLine xmlns:a14="http://schemas.microsoft.com/office/drawing/2010/main" xmlns="" w="9525">
+                <a14:hiddenLine xmlns="" xmlns:a14="http://schemas.microsoft.com/office/drawing/2010/main" w="9525">
                   <a:solidFill>
                     <a:srgbClr val="000000"/>
                   </a:solidFill>
@@ -656,7 +660,7 @@
             </a:ln>
             <a:extLst>
               <a:ext uri="{91240B29-F687-4f45-9708-019B960494DF}">
-                <a14:hiddenLine xmlns:a14="http://schemas.microsoft.com/office/drawing/2010/main" xmlns="" w="9525">
+                <a14:hiddenLine xmlns="" xmlns:a14="http://schemas.microsoft.com/office/drawing/2010/main" w="9525">
                   <a:solidFill>
                     <a:srgbClr val="000000"/>
                   </a:solidFill>
@@ -746,7 +750,7 @@
             </a:ln>
             <a:extLst>
               <a:ext uri="{91240B29-F687-4f45-9708-019B960494DF}">
-                <a14:hiddenLine xmlns:a14="http://schemas.microsoft.com/office/drawing/2010/main" xmlns="" w="9525">
+                <a14:hiddenLine xmlns="" xmlns:a14="http://schemas.microsoft.com/office/drawing/2010/main" w="9525">
                   <a:solidFill>
                     <a:srgbClr val="000000"/>
                   </a:solidFill>
@@ -808,7 +812,7 @@
             </a:ln>
             <a:extLst>
               <a:ext uri="{91240B29-F687-4f45-9708-019B960494DF}">
-                <a14:hiddenLine xmlns:a14="http://schemas.microsoft.com/office/drawing/2010/main" xmlns="" w="9525">
+                <a14:hiddenLine xmlns="" xmlns:a14="http://schemas.microsoft.com/office/drawing/2010/main" w="9525">
                   <a:solidFill>
                     <a:srgbClr val="000000"/>
                   </a:solidFill>
@@ -870,7 +874,7 @@
             </a:ln>
             <a:extLst>
               <a:ext uri="{91240B29-F687-4f45-9708-019B960494DF}">
-                <a14:hiddenLine xmlns:a14="http://schemas.microsoft.com/office/drawing/2010/main" xmlns="" w="9525">
+                <a14:hiddenLine xmlns="" xmlns:a14="http://schemas.microsoft.com/office/drawing/2010/main" w="9525">
                   <a:solidFill>
                     <a:srgbClr val="000000"/>
                   </a:solidFill>
@@ -960,7 +964,7 @@
             </a:ln>
             <a:extLst>
               <a:ext uri="{91240B29-F687-4f45-9708-019B960494DF}">
-                <a14:hiddenLine xmlns:a14="http://schemas.microsoft.com/office/drawing/2010/main" xmlns="" w="9525">
+                <a14:hiddenLine xmlns="" xmlns:a14="http://schemas.microsoft.com/office/drawing/2010/main" w="9525">
                   <a:solidFill>
                     <a:srgbClr val="000000"/>
                   </a:solidFill>
@@ -1050,7 +1054,7 @@
             </a:ln>
             <a:extLst>
               <a:ext uri="{91240B29-F687-4f45-9708-019B960494DF}">
-                <a14:hiddenLine xmlns:a14="http://schemas.microsoft.com/office/drawing/2010/main" xmlns="" w="9525">
+                <a14:hiddenLine xmlns="" xmlns:a14="http://schemas.microsoft.com/office/drawing/2010/main" w="9525">
                   <a:solidFill>
                     <a:srgbClr val="000000"/>
                   </a:solidFill>
@@ -1112,7 +1116,7 @@
             </a:ln>
             <a:extLst>
               <a:ext uri="{91240B29-F687-4f45-9708-019B960494DF}">
-                <a14:hiddenLine xmlns:a14="http://schemas.microsoft.com/office/drawing/2010/main" xmlns="" w="9525">
+                <a14:hiddenLine xmlns="" xmlns:a14="http://schemas.microsoft.com/office/drawing/2010/main" w="9525">
                   <a:solidFill>
                     <a:srgbClr val="000000"/>
                   </a:solidFill>
@@ -1222,7 +1226,7 @@
             </a:ln>
             <a:extLst>
               <a:ext uri="{91240B29-F687-4f45-9708-019B960494DF}">
-                <a14:hiddenLine xmlns:a14="http://schemas.microsoft.com/office/drawing/2010/main" xmlns="" w="9525">
+                <a14:hiddenLine xmlns="" xmlns:a14="http://schemas.microsoft.com/office/drawing/2010/main" w="9525">
                   <a:solidFill>
                     <a:srgbClr val="000000"/>
                   </a:solidFill>
@@ -1284,7 +1288,7 @@
             </a:ln>
             <a:extLst>
               <a:ext uri="{91240B29-F687-4f45-9708-019B960494DF}">
-                <a14:hiddenLine xmlns:a14="http://schemas.microsoft.com/office/drawing/2010/main" xmlns="" w="9525">
+                <a14:hiddenLine xmlns="" xmlns:a14="http://schemas.microsoft.com/office/drawing/2010/main" w="9525">
                   <a:solidFill>
                     <a:srgbClr val="000000"/>
                   </a:solidFill>
@@ -1374,7 +1378,7 @@
             </a:ln>
             <a:extLst>
               <a:ext uri="{91240B29-F687-4f45-9708-019B960494DF}">
-                <a14:hiddenLine xmlns:a14="http://schemas.microsoft.com/office/drawing/2010/main" xmlns="" w="9525">
+                <a14:hiddenLine xmlns="" xmlns:a14="http://schemas.microsoft.com/office/drawing/2010/main" w="9525">
                   <a:solidFill>
                     <a:srgbClr val="000000"/>
                   </a:solidFill>
@@ -1464,7 +1468,7 @@
             </a:ln>
             <a:extLst>
               <a:ext uri="{91240B29-F687-4f45-9708-019B960494DF}">
-                <a14:hiddenLine xmlns:a14="http://schemas.microsoft.com/office/drawing/2010/main" xmlns="" w="9525">
+                <a14:hiddenLine xmlns="" xmlns:a14="http://schemas.microsoft.com/office/drawing/2010/main" w="9525">
                   <a:solidFill>
                     <a:srgbClr val="000000"/>
                   </a:solidFill>
@@ -1526,7 +1530,7 @@
             </a:ln>
             <a:extLst>
               <a:ext uri="{91240B29-F687-4f45-9708-019B960494DF}">
-                <a14:hiddenLine xmlns:a14="http://schemas.microsoft.com/office/drawing/2010/main" xmlns="" w="9525">
+                <a14:hiddenLine xmlns="" xmlns:a14="http://schemas.microsoft.com/office/drawing/2010/main" w="9525">
                   <a:solidFill>
                     <a:srgbClr val="000000"/>
                   </a:solidFill>
@@ -1616,7 +1620,7 @@
             </a:ln>
             <a:extLst>
               <a:ext uri="{91240B29-F687-4f45-9708-019B960494DF}">
-                <a14:hiddenLine xmlns:a14="http://schemas.microsoft.com/office/drawing/2010/main" xmlns="" w="9525">
+                <a14:hiddenLine xmlns="" xmlns:a14="http://schemas.microsoft.com/office/drawing/2010/main" w="9525">
                   <a:solidFill>
                     <a:srgbClr val="000000"/>
                   </a:solidFill>
@@ -1706,7 +1710,7 @@
             </a:ln>
             <a:extLst>
               <a:ext uri="{91240B29-F687-4f45-9708-019B960494DF}">
-                <a14:hiddenLine xmlns:a14="http://schemas.microsoft.com/office/drawing/2010/main" xmlns="" w="9525">
+                <a14:hiddenLine xmlns="" xmlns:a14="http://schemas.microsoft.com/office/drawing/2010/main" w="9525">
                   <a:solidFill>
                     <a:srgbClr val="000000"/>
                   </a:solidFill>
@@ -1762,7 +1766,7 @@
             </a:ln>
             <a:extLst>
               <a:ext uri="{91240B29-F687-4f45-9708-019B960494DF}">
-                <a14:hiddenLine xmlns:a14="http://schemas.microsoft.com/office/drawing/2010/main" xmlns="" w="9525">
+                <a14:hiddenLine xmlns="" xmlns:a14="http://schemas.microsoft.com/office/drawing/2010/main" w="9525">
                   <a:solidFill>
                     <a:srgbClr val="000000"/>
                   </a:solidFill>
@@ -1852,7 +1856,7 @@
             </a:ln>
             <a:extLst>
               <a:ext uri="{91240B29-F687-4f45-9708-019B960494DF}">
-                <a14:hiddenLine xmlns:a14="http://schemas.microsoft.com/office/drawing/2010/main" xmlns="" w="9525">
+                <a14:hiddenLine xmlns="" xmlns:a14="http://schemas.microsoft.com/office/drawing/2010/main" w="9525">
                   <a:solidFill>
                     <a:srgbClr val="000000"/>
                   </a:solidFill>
@@ -1908,7 +1912,7 @@
             </a:ln>
             <a:extLst>
               <a:ext uri="{91240B29-F687-4f45-9708-019B960494DF}">
-                <a14:hiddenLine xmlns:a14="http://schemas.microsoft.com/office/drawing/2010/main" xmlns="" w="9525">
+                <a14:hiddenLine xmlns="" xmlns:a14="http://schemas.microsoft.com/office/drawing/2010/main" w="9525">
                   <a:solidFill>
                     <a:srgbClr val="000000"/>
                   </a:solidFill>
@@ -1998,7 +2002,7 @@
             </a:ln>
             <a:extLst>
               <a:ext uri="{91240B29-F687-4f45-9708-019B960494DF}">
-                <a14:hiddenLine xmlns:a14="http://schemas.microsoft.com/office/drawing/2010/main" xmlns="" w="9525">
+                <a14:hiddenLine xmlns="" xmlns:a14="http://schemas.microsoft.com/office/drawing/2010/main" w="9525">
                   <a:solidFill>
                     <a:srgbClr val="000000"/>
                   </a:solidFill>
@@ -2066,7 +2070,7 @@
             </a:ln>
             <a:extLst>
               <a:ext uri="{91240B29-F687-4f45-9708-019B960494DF}">
-                <a14:hiddenLine xmlns:a14="http://schemas.microsoft.com/office/drawing/2010/main" xmlns="" w="9525">
+                <a14:hiddenLine xmlns="" xmlns:a14="http://schemas.microsoft.com/office/drawing/2010/main" w="9525">
                   <a:solidFill>
                     <a:srgbClr val="000000"/>
                   </a:solidFill>
@@ -2156,7 +2160,7 @@
             </a:ln>
             <a:extLst>
               <a:ext uri="{91240B29-F687-4f45-9708-019B960494DF}">
-                <a14:hiddenLine xmlns:a14="http://schemas.microsoft.com/office/drawing/2010/main" xmlns="" w="9525">
+                <a14:hiddenLine xmlns="" xmlns:a14="http://schemas.microsoft.com/office/drawing/2010/main" w="9525">
                   <a:solidFill>
                     <a:srgbClr val="000000"/>
                   </a:solidFill>
@@ -2224,7 +2228,7 @@
             </a:ln>
             <a:extLst>
               <a:ext uri="{91240B29-F687-4f45-9708-019B960494DF}">
-                <a14:hiddenLine xmlns:a14="http://schemas.microsoft.com/office/drawing/2010/main" xmlns="" w="9525">
+                <a14:hiddenLine xmlns="" xmlns:a14="http://schemas.microsoft.com/office/drawing/2010/main" w="9525">
                   <a:solidFill>
                     <a:srgbClr val="000000"/>
                   </a:solidFill>
@@ -2314,7 +2318,7 @@
             </a:ln>
             <a:extLst>
               <a:ext uri="{91240B29-F687-4f45-9708-019B960494DF}">
-                <a14:hiddenLine xmlns:a14="http://schemas.microsoft.com/office/drawing/2010/main" xmlns="" w="9525">
+                <a14:hiddenLine xmlns="" xmlns:a14="http://schemas.microsoft.com/office/drawing/2010/main" w="9525">
                   <a:solidFill>
                     <a:srgbClr val="000000"/>
                   </a:solidFill>
@@ -2348,7 +2352,7 @@
             </a:ln>
             <a:extLst>
               <a:ext uri="{91240B29-F687-4f45-9708-019B960494DF}">
-                <a14:hiddenLine xmlns:a14="http://schemas.microsoft.com/office/drawing/2010/main" xmlns="" w="9525">
+                <a14:hiddenLine xmlns="" xmlns:a14="http://schemas.microsoft.com/office/drawing/2010/main" w="9525">
                   <a:solidFill>
                     <a:srgbClr val="000000"/>
                   </a:solidFill>
@@ -2438,7 +2442,7 @@
             </a:ln>
             <a:extLst>
               <a:ext uri="{91240B29-F687-4f45-9708-019B960494DF}">
-                <a14:hiddenLine xmlns:a14="http://schemas.microsoft.com/office/drawing/2010/main" xmlns="" w="9525">
+                <a14:hiddenLine xmlns="" xmlns:a14="http://schemas.microsoft.com/office/drawing/2010/main" w="9525">
                   <a:solidFill>
                     <a:srgbClr val="000000"/>
                   </a:solidFill>
@@ -2500,7 +2504,7 @@
             </a:ln>
             <a:extLst>
               <a:ext uri="{91240B29-F687-4f45-9708-019B960494DF}">
-                <a14:hiddenLine xmlns:a14="http://schemas.microsoft.com/office/drawing/2010/main" xmlns="" w="9525">
+                <a14:hiddenLine xmlns="" xmlns:a14="http://schemas.microsoft.com/office/drawing/2010/main" w="9525">
                   <a:solidFill>
                     <a:srgbClr val="000000"/>
                   </a:solidFill>
@@ -2562,7 +2566,7 @@
             </a:ln>
             <a:extLst>
               <a:ext uri="{91240B29-F687-4f45-9708-019B960494DF}">
-                <a14:hiddenLine xmlns:a14="http://schemas.microsoft.com/office/drawing/2010/main" xmlns="" w="9525">
+                <a14:hiddenLine xmlns="" xmlns:a14="http://schemas.microsoft.com/office/drawing/2010/main" w="9525">
                   <a:solidFill>
                     <a:srgbClr val="000000"/>
                   </a:solidFill>
@@ -2652,7 +2656,7 @@
             </a:ln>
             <a:extLst>
               <a:ext uri="{91240B29-F687-4f45-9708-019B960494DF}">
-                <a14:hiddenLine xmlns:a14="http://schemas.microsoft.com/office/drawing/2010/main" xmlns="" w="9525">
+                <a14:hiddenLine xmlns="" xmlns:a14="http://schemas.microsoft.com/office/drawing/2010/main" w="9525">
                   <a:solidFill>
                     <a:srgbClr val="000000"/>
                   </a:solidFill>
@@ -2720,7 +2724,7 @@
             </a:ln>
             <a:extLst>
               <a:ext uri="{91240B29-F687-4f45-9708-019B960494DF}">
-                <a14:hiddenLine xmlns:a14="http://schemas.microsoft.com/office/drawing/2010/main" xmlns="" w="9525">
+                <a14:hiddenLine xmlns="" xmlns:a14="http://schemas.microsoft.com/office/drawing/2010/main" w="9525">
                   <a:solidFill>
                     <a:srgbClr val="000000"/>
                   </a:solidFill>
@@ -2782,7 +2786,7 @@
             </a:ln>
             <a:extLst>
               <a:ext uri="{91240B29-F687-4f45-9708-019B960494DF}">
-                <a14:hiddenLine xmlns:a14="http://schemas.microsoft.com/office/drawing/2010/main" xmlns="" w="9525">
+                <a14:hiddenLine xmlns="" xmlns:a14="http://schemas.microsoft.com/office/drawing/2010/main" w="9525">
                   <a:solidFill>
                     <a:srgbClr val="000000"/>
                   </a:solidFill>
@@ -2872,7 +2876,7 @@
             </a:ln>
             <a:extLst>
               <a:ext uri="{91240B29-F687-4f45-9708-019B960494DF}">
-                <a14:hiddenLine xmlns:a14="http://schemas.microsoft.com/office/drawing/2010/main" xmlns="" w="9525">
+                <a14:hiddenLine xmlns="" xmlns:a14="http://schemas.microsoft.com/office/drawing/2010/main" w="9525">
                   <a:solidFill>
                     <a:srgbClr val="000000"/>
                   </a:solidFill>
@@ -2934,7 +2938,7 @@
             </a:ln>
             <a:extLst>
               <a:ext uri="{91240B29-F687-4f45-9708-019B960494DF}">
-                <a14:hiddenLine xmlns:a14="http://schemas.microsoft.com/office/drawing/2010/main" xmlns="" w="9525">
+                <a14:hiddenLine xmlns="" xmlns:a14="http://schemas.microsoft.com/office/drawing/2010/main" w="9525">
                   <a:solidFill>
                     <a:srgbClr val="000000"/>
                   </a:solidFill>
@@ -3024,7 +3028,7 @@
             </a:ln>
             <a:extLst>
               <a:ext uri="{91240B29-F687-4f45-9708-019B960494DF}">
-                <a14:hiddenLine xmlns:a14="http://schemas.microsoft.com/office/drawing/2010/main" xmlns="" w="9525">
+                <a14:hiddenLine xmlns="" xmlns:a14="http://schemas.microsoft.com/office/drawing/2010/main" w="9525">
                   <a:solidFill>
                     <a:srgbClr val="000000"/>
                   </a:solidFill>
@@ -3086,7 +3090,7 @@
             </a:ln>
             <a:extLst>
               <a:ext uri="{91240B29-F687-4f45-9708-019B960494DF}">
-                <a14:hiddenLine xmlns:a14="http://schemas.microsoft.com/office/drawing/2010/main" xmlns="" w="9525">
+                <a14:hiddenLine xmlns="" xmlns:a14="http://schemas.microsoft.com/office/drawing/2010/main" w="9525">
                   <a:solidFill>
                     <a:srgbClr val="000000"/>
                   </a:solidFill>
@@ -3176,7 +3180,7 @@
             </a:ln>
             <a:extLst>
               <a:ext uri="{91240B29-F687-4f45-9708-019B960494DF}">
-                <a14:hiddenLine xmlns:a14="http://schemas.microsoft.com/office/drawing/2010/main" xmlns="" w="9525">
+                <a14:hiddenLine xmlns="" xmlns:a14="http://schemas.microsoft.com/office/drawing/2010/main" w="9525">
                   <a:solidFill>
                     <a:srgbClr val="000000"/>
                   </a:solidFill>
@@ -3210,7 +3214,7 @@
             </a:ln>
             <a:extLst>
               <a:ext uri="{91240B29-F687-4f45-9708-019B960494DF}">
-                <a14:hiddenLine xmlns:a14="http://schemas.microsoft.com/office/drawing/2010/main" xmlns="" w="9525">
+                <a14:hiddenLine xmlns="" xmlns:a14="http://schemas.microsoft.com/office/drawing/2010/main" w="9525">
                   <a:solidFill>
                     <a:srgbClr val="000000"/>
                   </a:solidFill>
@@ -3275,7 +3279,7 @@
             </a:ln>
             <a:extLst>
               <a:ext uri="{91240B29-F687-4f45-9708-019B960494DF}">
-                <a14:hiddenLine xmlns:a14="http://schemas.microsoft.com/office/drawing/2010/main" xmlns="" w="9525">
+                <a14:hiddenLine xmlns="" xmlns:a14="http://schemas.microsoft.com/office/drawing/2010/main" w="9525">
                   <a:solidFill>
                     <a:srgbClr val="000000"/>
                   </a:solidFill>
@@ -3365,7 +3369,7 @@
             </a:ln>
             <a:extLst>
               <a:ext uri="{91240B29-F687-4f45-9708-019B960494DF}">
-                <a14:hiddenLine xmlns:a14="http://schemas.microsoft.com/office/drawing/2010/main" xmlns="" w="9525">
+                <a14:hiddenLine xmlns="" xmlns:a14="http://schemas.microsoft.com/office/drawing/2010/main" w="9525">
                   <a:solidFill>
                     <a:srgbClr val="000000"/>
                   </a:solidFill>
@@ -3427,7 +3431,7 @@
             </a:ln>
             <a:extLst>
               <a:ext uri="{91240B29-F687-4f45-9708-019B960494DF}">
-                <a14:hiddenLine xmlns:a14="http://schemas.microsoft.com/office/drawing/2010/main" xmlns="" w="9525">
+                <a14:hiddenLine xmlns="" xmlns:a14="http://schemas.microsoft.com/office/drawing/2010/main" w="9525">
                   <a:solidFill>
                     <a:srgbClr val="000000"/>
                   </a:solidFill>
@@ -3517,7 +3521,7 @@
             </a:ln>
             <a:extLst>
               <a:ext uri="{91240B29-F687-4f45-9708-019B960494DF}">
-                <a14:hiddenLine xmlns:a14="http://schemas.microsoft.com/office/drawing/2010/main" xmlns="" w="9525">
+                <a14:hiddenLine xmlns="" xmlns:a14="http://schemas.microsoft.com/office/drawing/2010/main" w="9525">
                   <a:solidFill>
                     <a:srgbClr val="000000"/>
                   </a:solidFill>
@@ -3607,7 +3611,7 @@
             </a:ln>
             <a:extLst>
               <a:ext uri="{91240B29-F687-4f45-9708-019B960494DF}">
-                <a14:hiddenLine xmlns:a14="http://schemas.microsoft.com/office/drawing/2010/main" xmlns="" w="9525">
+                <a14:hiddenLine xmlns="" xmlns:a14="http://schemas.microsoft.com/office/drawing/2010/main" w="9525">
                   <a:solidFill>
                     <a:srgbClr val="000000"/>
                   </a:solidFill>
@@ -3672,7 +3676,7 @@
             </a:ln>
             <a:extLst>
               <a:ext uri="{91240B29-F687-4f45-9708-019B960494DF}">
-                <a14:hiddenLine xmlns:a14="http://schemas.microsoft.com/office/drawing/2010/main" xmlns="" w="9525">
+                <a14:hiddenLine xmlns="" xmlns:a14="http://schemas.microsoft.com/office/drawing/2010/main" w="9525">
                   <a:solidFill>
                     <a:srgbClr val="000000"/>
                   </a:solidFill>
@@ -3734,7 +3738,7 @@
             </a:ln>
             <a:extLst>
               <a:ext uri="{91240B29-F687-4f45-9708-019B960494DF}">
-                <a14:hiddenLine xmlns:a14="http://schemas.microsoft.com/office/drawing/2010/main" xmlns="" w="9525">
+                <a14:hiddenLine xmlns="" xmlns:a14="http://schemas.microsoft.com/office/drawing/2010/main" w="9525">
                   <a:solidFill>
                     <a:srgbClr val="000000"/>
                   </a:solidFill>
@@ -3824,7 +3828,7 @@
             </a:ln>
             <a:extLst>
               <a:ext uri="{91240B29-F687-4f45-9708-019B960494DF}">
-                <a14:hiddenLine xmlns:a14="http://schemas.microsoft.com/office/drawing/2010/main" xmlns="" w="9525">
+                <a14:hiddenLine xmlns="" xmlns:a14="http://schemas.microsoft.com/office/drawing/2010/main" w="9525">
                   <a:solidFill>
                     <a:srgbClr val="000000"/>
                   </a:solidFill>
@@ -3914,7 +3918,7 @@
             </a:ln>
             <a:extLst>
               <a:ext uri="{91240B29-F687-4f45-9708-019B960494DF}">
-                <a14:hiddenLine xmlns:a14="http://schemas.microsoft.com/office/drawing/2010/main" xmlns="" w="9525">
+                <a14:hiddenLine xmlns="" xmlns:a14="http://schemas.microsoft.com/office/drawing/2010/main" w="9525">
                   <a:solidFill>
                     <a:srgbClr val="000000"/>
                   </a:solidFill>
@@ -3976,7 +3980,7 @@
             </a:ln>
             <a:extLst>
               <a:ext uri="{91240B29-F687-4f45-9708-019B960494DF}">
-                <a14:hiddenLine xmlns:a14="http://schemas.microsoft.com/office/drawing/2010/main" xmlns="" w="9525">
+                <a14:hiddenLine xmlns="" xmlns:a14="http://schemas.microsoft.com/office/drawing/2010/main" w="9525">
                   <a:solidFill>
                     <a:srgbClr val="000000"/>
                   </a:solidFill>
@@ -4096,7 +4100,7 @@
             </a:ln>
             <a:extLst>
               <a:ext uri="{91240B29-F687-4f45-9708-019B960494DF}">
-                <a14:hiddenLine xmlns:a14="http://schemas.microsoft.com/office/drawing/2010/main" xmlns="" w="9525">
+                <a14:hiddenLine xmlns="" xmlns:a14="http://schemas.microsoft.com/office/drawing/2010/main" w="9525">
                   <a:solidFill>
                     <a:srgbClr val="000000"/>
                   </a:solidFill>
@@ -4164,7 +4168,7 @@
             </a:ln>
             <a:extLst>
               <a:ext uri="{91240B29-F687-4f45-9708-019B960494DF}">
-                <a14:hiddenLine xmlns:a14="http://schemas.microsoft.com/office/drawing/2010/main" xmlns="" w="9525">
+                <a14:hiddenLine xmlns="" xmlns:a14="http://schemas.microsoft.com/office/drawing/2010/main" w="9525">
                   <a:solidFill>
                     <a:srgbClr val="000000"/>
                   </a:solidFill>
@@ -4254,7 +4258,7 @@
             </a:ln>
             <a:extLst>
               <a:ext uri="{91240B29-F687-4f45-9708-019B960494DF}">
-                <a14:hiddenLine xmlns:a14="http://schemas.microsoft.com/office/drawing/2010/main" xmlns="" w="9525">
+                <a14:hiddenLine xmlns="" xmlns:a14="http://schemas.microsoft.com/office/drawing/2010/main" w="9525">
                   <a:solidFill>
                     <a:srgbClr val="000000"/>
                   </a:solidFill>
@@ -4394,7 +4398,7 @@
           <a:p>
             <a:fld id="{48A87A34-81AB-432B-8DAE-1953F412C126}" type="datetimeFigureOut">
               <a:rPr lang="en-US" dirty="0"/>
-              <a:t>7/7/2019</a:t>
+              <a:t>5/14/2020</a:t>
             </a:fld>
             <a:endParaRPr lang="en-US" dirty="0"/>
           </a:p>
@@ -4656,7 +4660,7 @@
           <a:p>
             <a:fld id="{48A87A34-81AB-432B-8DAE-1953F412C126}" type="datetimeFigureOut">
               <a:rPr lang="en-US" dirty="0"/>
-              <a:t>7/7/2019</a:t>
+              <a:t>5/14/2020</a:t>
             </a:fld>
             <a:endParaRPr lang="en-US" dirty="0"/>
           </a:p>
@@ -4847,7 +4851,7 @@
           <a:p>
             <a:fld id="{48A87A34-81AB-432B-8DAE-1953F412C126}" type="datetimeFigureOut">
               <a:rPr lang="en-US" dirty="0"/>
-              <a:t>7/7/2019</a:t>
+              <a:t>5/14/2020</a:t>
             </a:fld>
             <a:endParaRPr lang="en-US" dirty="0"/>
           </a:p>
@@ -5105,7 +5109,7 @@
           <a:p>
             <a:fld id="{48A87A34-81AB-432B-8DAE-1953F412C126}" type="datetimeFigureOut">
               <a:rPr lang="en-US" dirty="0"/>
-              <a:t>7/7/2019</a:t>
+              <a:t>5/14/2020</a:t>
             </a:fld>
             <a:endParaRPr lang="en-US" dirty="0"/>
           </a:p>
@@ -5534,7 +5538,7 @@
           <a:p>
             <a:fld id="{48A87A34-81AB-432B-8DAE-1953F412C126}" type="datetimeFigureOut">
               <a:rPr lang="en-US" dirty="0"/>
-              <a:t>7/7/2019</a:t>
+              <a:t>5/14/2020</a:t>
             </a:fld>
             <a:endParaRPr lang="en-US" dirty="0"/>
           </a:p>
@@ -6075,7 +6079,7 @@
           <a:p>
             <a:fld id="{48A87A34-81AB-432B-8DAE-1953F412C126}" type="datetimeFigureOut">
               <a:rPr lang="en-US" dirty="0"/>
-              <a:t>7/7/2019</a:t>
+              <a:t>5/14/2020</a:t>
             </a:fld>
             <a:endParaRPr lang="en-US" dirty="0"/>
           </a:p>
@@ -6790,7 +6794,7 @@
           <a:p>
             <a:fld id="{48A87A34-81AB-432B-8DAE-1953F412C126}" type="datetimeFigureOut">
               <a:rPr lang="en-US" dirty="0"/>
-              <a:t>7/7/2019</a:t>
+              <a:t>5/14/2020</a:t>
             </a:fld>
             <a:endParaRPr lang="en-US" dirty="0"/>
           </a:p>
@@ -6955,7 +6959,7 @@
           <a:p>
             <a:fld id="{48A87A34-81AB-432B-8DAE-1953F412C126}" type="datetimeFigureOut">
               <a:rPr lang="en-US" dirty="0"/>
-              <a:t>7/7/2019</a:t>
+              <a:t>5/14/2020</a:t>
             </a:fld>
             <a:endParaRPr lang="en-US" dirty="0"/>
           </a:p>
@@ -7130,7 +7134,7 @@
           <a:p>
             <a:fld id="{48A87A34-81AB-432B-8DAE-1953F412C126}" type="datetimeFigureOut">
               <a:rPr lang="en-US" dirty="0"/>
-              <a:t>7/7/2019</a:t>
+              <a:t>5/14/2020</a:t>
             </a:fld>
             <a:endParaRPr lang="en-US" dirty="0"/>
           </a:p>
@@ -7295,7 +7299,7 @@
           <a:p>
             <a:fld id="{48A87A34-81AB-432B-8DAE-1953F412C126}" type="datetimeFigureOut">
               <a:rPr lang="en-US" dirty="0"/>
-              <a:t>7/7/2019</a:t>
+              <a:t>5/14/2020</a:t>
             </a:fld>
             <a:endParaRPr lang="en-US" dirty="0"/>
           </a:p>
@@ -7540,7 +7544,7 @@
           <a:p>
             <a:fld id="{48A87A34-81AB-432B-8DAE-1953F412C126}" type="datetimeFigureOut">
               <a:rPr lang="en-US" dirty="0"/>
-              <a:t>7/7/2019</a:t>
+              <a:t>5/14/2020</a:t>
             </a:fld>
             <a:endParaRPr lang="en-US" dirty="0"/>
           </a:p>
@@ -7767,7 +7771,7 @@
           <a:p>
             <a:fld id="{48A87A34-81AB-432B-8DAE-1953F412C126}" type="datetimeFigureOut">
               <a:rPr lang="en-US" dirty="0"/>
-              <a:t>7/7/2019</a:t>
+              <a:t>5/14/2020</a:t>
             </a:fld>
             <a:endParaRPr lang="en-US" dirty="0"/>
           </a:p>
@@ -8143,7 +8147,7 @@
           <a:p>
             <a:fld id="{48A87A34-81AB-432B-8DAE-1953F412C126}" type="datetimeFigureOut">
               <a:rPr lang="en-US" dirty="0"/>
-              <a:t>7/7/2019</a:t>
+              <a:t>5/14/2020</a:t>
             </a:fld>
             <a:endParaRPr lang="en-US" dirty="0"/>
           </a:p>
@@ -8256,7 +8260,7 @@
           <a:p>
             <a:fld id="{48A87A34-81AB-432B-8DAE-1953F412C126}" type="datetimeFigureOut">
               <a:rPr lang="en-US" dirty="0"/>
-              <a:t>7/7/2019</a:t>
+              <a:t>5/14/2020</a:t>
             </a:fld>
             <a:endParaRPr lang="en-US" dirty="0"/>
           </a:p>
@@ -8346,7 +8350,7 @@
           <a:p>
             <a:fld id="{48A87A34-81AB-432B-8DAE-1953F412C126}" type="datetimeFigureOut">
               <a:rPr lang="en-US" dirty="0"/>
-              <a:t>7/7/2019</a:t>
+              <a:t>5/14/2020</a:t>
             </a:fld>
             <a:endParaRPr lang="en-US" dirty="0"/>
           </a:p>
@@ -8590,7 +8594,7 @@
           <a:p>
             <a:fld id="{48A87A34-81AB-432B-8DAE-1953F412C126}" type="datetimeFigureOut">
               <a:rPr lang="en-US" dirty="0"/>
-              <a:t>7/7/2019</a:t>
+              <a:t>5/14/2020</a:t>
             </a:fld>
             <a:endParaRPr lang="en-US" dirty="0"/>
           </a:p>
@@ -8865,7 +8869,7 @@
           <a:p>
             <a:fld id="{48A87A34-81AB-432B-8DAE-1953F412C126}" type="datetimeFigureOut">
               <a:rPr lang="en-US" dirty="0"/>
-              <a:t>7/7/2019</a:t>
+              <a:t>5/14/2020</a:t>
             </a:fld>
             <a:endParaRPr lang="en-US" dirty="0"/>
           </a:p>
@@ -8976,7 +8980,7 @@
           <a:noFill/>
           <a:extLst>
             <a:ext uri="{909E8E84-426E-40dd-AFC4-6F175D3DCCD1}">
-              <a14:hiddenFill xmlns:a14="http://schemas.microsoft.com/office/drawing/2010/main" xmlns="">
+              <a14:hiddenFill xmlns="" xmlns:a14="http://schemas.microsoft.com/office/drawing/2010/main">
                 <a:solidFill>
                   <a:srgbClr val="FFFFFF"/>
                 </a:solidFill>
@@ -9050,7 +9054,7 @@
               </a:ln>
               <a:extLst>
                 <a:ext uri="{91240B29-F687-4f45-9708-019B960494DF}">
-                  <a14:hiddenLine xmlns:a14="http://schemas.microsoft.com/office/drawing/2010/main" xmlns="" w="9525">
+                  <a14:hiddenLine xmlns="" xmlns:a14="http://schemas.microsoft.com/office/drawing/2010/main" w="9525">
                     <a:solidFill>
                       <a:srgbClr val="000000"/>
                     </a:solidFill>
@@ -9140,7 +9144,7 @@
               </a:ln>
               <a:extLst>
                 <a:ext uri="{91240B29-F687-4f45-9708-019B960494DF}">
-                  <a14:hiddenLine xmlns:a14="http://schemas.microsoft.com/office/drawing/2010/main" xmlns="" w="9525">
+                  <a14:hiddenLine xmlns="" xmlns:a14="http://schemas.microsoft.com/office/drawing/2010/main" w="9525">
                     <a:solidFill>
                       <a:srgbClr val="000000"/>
                     </a:solidFill>
@@ -9230,7 +9234,7 @@
               </a:ln>
               <a:extLst>
                 <a:ext uri="{91240B29-F687-4f45-9708-019B960494DF}">
-                  <a14:hiddenLine xmlns:a14="http://schemas.microsoft.com/office/drawing/2010/main" xmlns="" w="9525">
+                  <a14:hiddenLine xmlns="" xmlns:a14="http://schemas.microsoft.com/office/drawing/2010/main" w="9525">
                     <a:solidFill>
                       <a:srgbClr val="000000"/>
                     </a:solidFill>
@@ -9292,7 +9296,7 @@
               </a:ln>
               <a:extLst>
                 <a:ext uri="{91240B29-F687-4f45-9708-019B960494DF}">
-                  <a14:hiddenLine xmlns:a14="http://schemas.microsoft.com/office/drawing/2010/main" xmlns="" w="9525">
+                  <a14:hiddenLine xmlns="" xmlns:a14="http://schemas.microsoft.com/office/drawing/2010/main" w="9525">
                     <a:solidFill>
                       <a:srgbClr val="000000"/>
                     </a:solidFill>
@@ -9382,7 +9386,7 @@
               </a:ln>
               <a:extLst>
                 <a:ext uri="{91240B29-F687-4f45-9708-019B960494DF}">
-                  <a14:hiddenLine xmlns:a14="http://schemas.microsoft.com/office/drawing/2010/main" xmlns="" w="9525">
+                  <a14:hiddenLine xmlns="" xmlns:a14="http://schemas.microsoft.com/office/drawing/2010/main" w="9525">
                     <a:solidFill>
                       <a:srgbClr val="000000"/>
                     </a:solidFill>
@@ -9444,7 +9448,7 @@
               </a:ln>
               <a:extLst>
                 <a:ext uri="{91240B29-F687-4f45-9708-019B960494DF}">
-                  <a14:hiddenLine xmlns:a14="http://schemas.microsoft.com/office/drawing/2010/main" xmlns="" w="9525">
+                  <a14:hiddenLine xmlns="" xmlns:a14="http://schemas.microsoft.com/office/drawing/2010/main" w="9525">
                     <a:solidFill>
                       <a:srgbClr val="000000"/>
                     </a:solidFill>
@@ -9506,7 +9510,7 @@
               </a:ln>
               <a:extLst>
                 <a:ext uri="{91240B29-F687-4f45-9708-019B960494DF}">
-                  <a14:hiddenLine xmlns:a14="http://schemas.microsoft.com/office/drawing/2010/main" xmlns="" w="9525">
+                  <a14:hiddenLine xmlns="" xmlns:a14="http://schemas.microsoft.com/office/drawing/2010/main" w="9525">
                     <a:solidFill>
                       <a:srgbClr val="000000"/>
                     </a:solidFill>
@@ -9596,7 +9600,7 @@
               </a:ln>
               <a:extLst>
                 <a:ext uri="{91240B29-F687-4f45-9708-019B960494DF}">
-                  <a14:hiddenLine xmlns:a14="http://schemas.microsoft.com/office/drawing/2010/main" xmlns="" w="9525">
+                  <a14:hiddenLine xmlns="" xmlns:a14="http://schemas.microsoft.com/office/drawing/2010/main" w="9525">
                     <a:solidFill>
                       <a:srgbClr val="000000"/>
                     </a:solidFill>
@@ -9686,7 +9690,7 @@
               </a:ln>
               <a:extLst>
                 <a:ext uri="{91240B29-F687-4f45-9708-019B960494DF}">
-                  <a14:hiddenLine xmlns:a14="http://schemas.microsoft.com/office/drawing/2010/main" xmlns="" w="9525">
+                  <a14:hiddenLine xmlns="" xmlns:a14="http://schemas.microsoft.com/office/drawing/2010/main" w="9525">
                     <a:solidFill>
                       <a:srgbClr val="000000"/>
                     </a:solidFill>
@@ -9748,7 +9752,7 @@
               </a:ln>
               <a:extLst>
                 <a:ext uri="{91240B29-F687-4f45-9708-019B960494DF}">
-                  <a14:hiddenLine xmlns:a14="http://schemas.microsoft.com/office/drawing/2010/main" xmlns="" w="9525">
+                  <a14:hiddenLine xmlns="" xmlns:a14="http://schemas.microsoft.com/office/drawing/2010/main" w="9525">
                     <a:solidFill>
                       <a:srgbClr val="000000"/>
                     </a:solidFill>
@@ -9858,7 +9862,7 @@
               </a:ln>
               <a:extLst>
                 <a:ext uri="{91240B29-F687-4f45-9708-019B960494DF}">
-                  <a14:hiddenLine xmlns:a14="http://schemas.microsoft.com/office/drawing/2010/main" xmlns="" w="9525">
+                  <a14:hiddenLine xmlns="" xmlns:a14="http://schemas.microsoft.com/office/drawing/2010/main" w="9525">
                     <a:solidFill>
                       <a:srgbClr val="000000"/>
                     </a:solidFill>
@@ -9942,7 +9946,7 @@
               </a:ln>
               <a:extLst>
                 <a:ext uri="{91240B29-F687-4f45-9708-019B960494DF}">
-                  <a14:hiddenLine xmlns:a14="http://schemas.microsoft.com/office/drawing/2010/main" xmlns="" w="9525">
+                  <a14:hiddenLine xmlns="" xmlns:a14="http://schemas.microsoft.com/office/drawing/2010/main" w="9525">
                     <a:solidFill>
                       <a:srgbClr val="000000"/>
                     </a:solidFill>
@@ -10004,7 +10008,7 @@
               </a:ln>
               <a:extLst>
                 <a:ext uri="{91240B29-F687-4f45-9708-019B960494DF}">
-                  <a14:hiddenLine xmlns:a14="http://schemas.microsoft.com/office/drawing/2010/main" xmlns="" w="9525">
+                  <a14:hiddenLine xmlns="" xmlns:a14="http://schemas.microsoft.com/office/drawing/2010/main" w="9525">
                     <a:solidFill>
                       <a:srgbClr val="000000"/>
                     </a:solidFill>
@@ -10066,7 +10070,7 @@
               </a:ln>
               <a:extLst>
                 <a:ext uri="{91240B29-F687-4f45-9708-019B960494DF}">
-                  <a14:hiddenLine xmlns:a14="http://schemas.microsoft.com/office/drawing/2010/main" xmlns="" w="9525">
+                  <a14:hiddenLine xmlns="" xmlns:a14="http://schemas.microsoft.com/office/drawing/2010/main" w="9525">
                     <a:solidFill>
                       <a:srgbClr val="000000"/>
                     </a:solidFill>
@@ -10156,7 +10160,7 @@
               </a:ln>
               <a:extLst>
                 <a:ext uri="{91240B29-F687-4f45-9708-019B960494DF}">
-                  <a14:hiddenLine xmlns:a14="http://schemas.microsoft.com/office/drawing/2010/main" xmlns="" w="9525">
+                  <a14:hiddenLine xmlns="" xmlns:a14="http://schemas.microsoft.com/office/drawing/2010/main" w="9525">
                     <a:solidFill>
                       <a:srgbClr val="000000"/>
                     </a:solidFill>
@@ -10190,7 +10194,7 @@
               </a:ln>
               <a:extLst>
                 <a:ext uri="{91240B29-F687-4f45-9708-019B960494DF}">
-                  <a14:hiddenLine xmlns:a14="http://schemas.microsoft.com/office/drawing/2010/main" xmlns="" w="9525">
+                  <a14:hiddenLine xmlns="" xmlns:a14="http://schemas.microsoft.com/office/drawing/2010/main" w="9525">
                     <a:solidFill>
                       <a:srgbClr val="000000"/>
                     </a:solidFill>
@@ -10255,7 +10259,7 @@
               </a:ln>
               <a:extLst>
                 <a:ext uri="{91240B29-F687-4f45-9708-019B960494DF}">
-                  <a14:hiddenLine xmlns:a14="http://schemas.microsoft.com/office/drawing/2010/main" xmlns="" w="9525">
+                  <a14:hiddenLine xmlns="" xmlns:a14="http://schemas.microsoft.com/office/drawing/2010/main" w="9525">
                     <a:solidFill>
                       <a:srgbClr val="000000"/>
                     </a:solidFill>
@@ -10345,7 +10349,7 @@
               </a:ln>
               <a:extLst>
                 <a:ext uri="{91240B29-F687-4f45-9708-019B960494DF}">
-                  <a14:hiddenLine xmlns:a14="http://schemas.microsoft.com/office/drawing/2010/main" xmlns="" w="9525">
+                  <a14:hiddenLine xmlns="" xmlns:a14="http://schemas.microsoft.com/office/drawing/2010/main" w="9525">
                     <a:solidFill>
                       <a:srgbClr val="000000"/>
                     </a:solidFill>
@@ -10407,7 +10411,7 @@
               </a:ln>
               <a:extLst>
                 <a:ext uri="{91240B29-F687-4f45-9708-019B960494DF}">
-                  <a14:hiddenLine xmlns:a14="http://schemas.microsoft.com/office/drawing/2010/main" xmlns="" w="9525">
+                  <a14:hiddenLine xmlns="" xmlns:a14="http://schemas.microsoft.com/office/drawing/2010/main" w="9525">
                     <a:solidFill>
                       <a:srgbClr val="000000"/>
                     </a:solidFill>
@@ -10497,7 +10501,7 @@
               </a:ln>
               <a:extLst>
                 <a:ext uri="{91240B29-F687-4f45-9708-019B960494DF}">
-                  <a14:hiddenLine xmlns:a14="http://schemas.microsoft.com/office/drawing/2010/main" xmlns="" w="9525">
+                  <a14:hiddenLine xmlns="" xmlns:a14="http://schemas.microsoft.com/office/drawing/2010/main" w="9525">
                     <a:solidFill>
                       <a:srgbClr val="000000"/>
                     </a:solidFill>
@@ -10562,7 +10566,7 @@
               </a:ln>
               <a:extLst>
                 <a:ext uri="{91240B29-F687-4f45-9708-019B960494DF}">
-                  <a14:hiddenLine xmlns:a14="http://schemas.microsoft.com/office/drawing/2010/main" xmlns="" w="9525">
+                  <a14:hiddenLine xmlns="" xmlns:a14="http://schemas.microsoft.com/office/drawing/2010/main" w="9525">
                     <a:solidFill>
                       <a:srgbClr val="000000"/>
                     </a:solidFill>
@@ -10624,7 +10628,7 @@
               </a:ln>
               <a:extLst>
                 <a:ext uri="{91240B29-F687-4f45-9708-019B960494DF}">
-                  <a14:hiddenLine xmlns:a14="http://schemas.microsoft.com/office/drawing/2010/main" xmlns="" w="9525">
+                  <a14:hiddenLine xmlns="" xmlns:a14="http://schemas.microsoft.com/office/drawing/2010/main" w="9525">
                     <a:solidFill>
                       <a:srgbClr val="000000"/>
                     </a:solidFill>
@@ -10714,7 +10718,7 @@
               </a:ln>
               <a:extLst>
                 <a:ext uri="{91240B29-F687-4f45-9708-019B960494DF}">
-                  <a14:hiddenLine xmlns:a14="http://schemas.microsoft.com/office/drawing/2010/main" xmlns="" w="9525">
+                  <a14:hiddenLine xmlns="" xmlns:a14="http://schemas.microsoft.com/office/drawing/2010/main" w="9525">
                     <a:solidFill>
                       <a:srgbClr val="000000"/>
                     </a:solidFill>
@@ -10804,7 +10808,7 @@
               </a:ln>
               <a:extLst>
                 <a:ext uri="{91240B29-F687-4f45-9708-019B960494DF}">
-                  <a14:hiddenLine xmlns:a14="http://schemas.microsoft.com/office/drawing/2010/main" xmlns="" w="9525">
+                  <a14:hiddenLine xmlns="" xmlns:a14="http://schemas.microsoft.com/office/drawing/2010/main" w="9525">
                     <a:solidFill>
                       <a:srgbClr val="000000"/>
                     </a:solidFill>
@@ -10869,7 +10873,7 @@
               </a:ln>
               <a:extLst>
                 <a:ext uri="{91240B29-F687-4f45-9708-019B960494DF}">
-                  <a14:hiddenLine xmlns:a14="http://schemas.microsoft.com/office/drawing/2010/main" xmlns="" w="9525">
+                  <a14:hiddenLine xmlns="" xmlns:a14="http://schemas.microsoft.com/office/drawing/2010/main" w="9525">
                     <a:solidFill>
                       <a:srgbClr val="000000"/>
                     </a:solidFill>
@@ -10989,7 +10993,7 @@
               </a:ln>
               <a:extLst>
                 <a:ext uri="{91240B29-F687-4f45-9708-019B960494DF}">
-                  <a14:hiddenLine xmlns:a14="http://schemas.microsoft.com/office/drawing/2010/main" xmlns="" w="9525">
+                  <a14:hiddenLine xmlns="" xmlns:a14="http://schemas.microsoft.com/office/drawing/2010/main" w="9525">
                     <a:solidFill>
                       <a:srgbClr val="000000"/>
                     </a:solidFill>
@@ -11087,7 +11091,7 @@
               </a:ln>
               <a:extLst>
                 <a:ext uri="{91240B29-F687-4f45-9708-019B960494DF}">
-                  <a14:hiddenLine xmlns:a14="http://schemas.microsoft.com/office/drawing/2010/main" xmlns="" w="9525">
+                  <a14:hiddenLine xmlns="" xmlns:a14="http://schemas.microsoft.com/office/drawing/2010/main" w="9525">
                     <a:solidFill>
                       <a:srgbClr val="000000"/>
                     </a:solidFill>
@@ -11202,7 +11206,7 @@
               </a:ln>
               <a:extLst>
                 <a:ext uri="{91240B29-F687-4f45-9708-019B960494DF}">
-                  <a14:hiddenLine xmlns:a14="http://schemas.microsoft.com/office/drawing/2010/main" xmlns="" w="9525">
+                  <a14:hiddenLine xmlns="" xmlns:a14="http://schemas.microsoft.com/office/drawing/2010/main" w="9525">
                     <a:solidFill>
                       <a:srgbClr val="000000"/>
                     </a:solidFill>
@@ -11292,7 +11296,7 @@
               </a:ln>
               <a:extLst>
                 <a:ext uri="{91240B29-F687-4f45-9708-019B960494DF}">
-                  <a14:hiddenLine xmlns:a14="http://schemas.microsoft.com/office/drawing/2010/main" xmlns="" w="9525">
+                  <a14:hiddenLine xmlns="" xmlns:a14="http://schemas.microsoft.com/office/drawing/2010/main" w="9525">
                     <a:solidFill>
                       <a:srgbClr val="000000"/>
                     </a:solidFill>
@@ -11357,7 +11361,7 @@
               </a:ln>
               <a:extLst>
                 <a:ext uri="{91240B29-F687-4f45-9708-019B960494DF}">
-                  <a14:hiddenLine xmlns:a14="http://schemas.microsoft.com/office/drawing/2010/main" xmlns="" w="9525">
+                  <a14:hiddenLine xmlns="" xmlns:a14="http://schemas.microsoft.com/office/drawing/2010/main" w="9525">
                     <a:solidFill>
                       <a:srgbClr val="000000"/>
                     </a:solidFill>
@@ -11447,7 +11451,7 @@
               </a:ln>
               <a:extLst>
                 <a:ext uri="{91240B29-F687-4f45-9708-019B960494DF}">
-                  <a14:hiddenLine xmlns:a14="http://schemas.microsoft.com/office/drawing/2010/main" xmlns="" w="9525">
+                  <a14:hiddenLine xmlns="" xmlns:a14="http://schemas.microsoft.com/office/drawing/2010/main" w="9525">
                     <a:solidFill>
                       <a:srgbClr val="000000"/>
                     </a:solidFill>
@@ -11515,7 +11519,7 @@
               </a:ln>
               <a:extLst>
                 <a:ext uri="{91240B29-F687-4f45-9708-019B960494DF}">
-                  <a14:hiddenLine xmlns:a14="http://schemas.microsoft.com/office/drawing/2010/main" xmlns="" w="9525">
+                  <a14:hiddenLine xmlns="" xmlns:a14="http://schemas.microsoft.com/office/drawing/2010/main" w="9525">
                     <a:solidFill>
                       <a:srgbClr val="000000"/>
                     </a:solidFill>
@@ -11605,7 +11609,7 @@
               </a:ln>
               <a:extLst>
                 <a:ext uri="{91240B29-F687-4f45-9708-019B960494DF}">
-                  <a14:hiddenLine xmlns:a14="http://schemas.microsoft.com/office/drawing/2010/main" xmlns="" w="9525">
+                  <a14:hiddenLine xmlns="" xmlns:a14="http://schemas.microsoft.com/office/drawing/2010/main" w="9525">
                     <a:solidFill>
                       <a:srgbClr val="000000"/>
                     </a:solidFill>
@@ -11673,7 +11677,7 @@
               </a:ln>
               <a:extLst>
                 <a:ext uri="{91240B29-F687-4f45-9708-019B960494DF}">
-                  <a14:hiddenLine xmlns:a14="http://schemas.microsoft.com/office/drawing/2010/main" xmlns="" w="9525">
+                  <a14:hiddenLine xmlns="" xmlns:a14="http://schemas.microsoft.com/office/drawing/2010/main" w="9525">
                     <a:solidFill>
                       <a:srgbClr val="000000"/>
                     </a:solidFill>
@@ -11763,7 +11767,7 @@
               </a:ln>
               <a:extLst>
                 <a:ext uri="{91240B29-F687-4f45-9708-019B960494DF}">
-                  <a14:hiddenLine xmlns:a14="http://schemas.microsoft.com/office/drawing/2010/main" xmlns="" w="9525">
+                  <a14:hiddenLine xmlns="" xmlns:a14="http://schemas.microsoft.com/office/drawing/2010/main" w="9525">
                     <a:solidFill>
                       <a:srgbClr val="000000"/>
                     </a:solidFill>
@@ -11797,7 +11801,7 @@
               </a:ln>
               <a:extLst>
                 <a:ext uri="{91240B29-F687-4f45-9708-019B960494DF}">
-                  <a14:hiddenLine xmlns:a14="http://schemas.microsoft.com/office/drawing/2010/main" xmlns="" w="9525">
+                  <a14:hiddenLine xmlns="" xmlns:a14="http://schemas.microsoft.com/office/drawing/2010/main" w="9525">
                     <a:solidFill>
                       <a:srgbClr val="000000"/>
                     </a:solidFill>
@@ -11938,7 +11942,7 @@
             <a:fld id="{48A87A34-81AB-432B-8DAE-1953F412C126}" type="datetimeFigureOut">
               <a:rPr lang="en-US" dirty="0"/>
               <a:pPr/>
-              <a:t>7/7/2019</a:t>
+              <a:t>5/14/2020</a:t>
             </a:fld>
             <a:endParaRPr lang="en-US" dirty="0"/>
           </a:p>
@@ -12366,101 +12370,25 @@
         </p:nvSpPr>
         <p:spPr>
           <a:xfrm>
-            <a:off x="1966576" y="336752"/>
-            <a:ext cx="8791575" cy="2387600"/>
+            <a:off x="1940818" y="1289788"/>
+            <a:ext cx="8791575" cy="2380690"/>
           </a:xfrm>
         </p:spPr>
         <p:txBody>
-          <a:bodyPr/>
+          <a:bodyPr>
+            <a:normAutofit/>
+          </a:bodyPr>
           <a:lstStyle/>
           <a:p>
             <a:r>
-              <a:rPr lang="en-US" dirty="0" smtClean="0">
+              <a:rPr lang="en-US" sz="6800" dirty="0" smtClean="0">
                 <a:solidFill>
                   <a:schemeClr val="bg1"/>
                 </a:solidFill>
               </a:rPr>
-              <a:t>       TEAM 3</a:t>
+              <a:t>BUG TRACKING SYSTEM</a:t>
             </a:r>
-            <a:endParaRPr lang="en-US" dirty="0">
-              <a:solidFill>
-                <a:schemeClr val="bg1"/>
-              </a:solidFill>
-            </a:endParaRPr>
-          </a:p>
-        </p:txBody>
-      </p:sp>
-      <p:sp>
-        <p:nvSpPr>
-          <p:cNvPr id="3" name="Subtitle 2"/>
-          <p:cNvSpPr>
-            <a:spLocks noGrp="1"/>
-          </p:cNvSpPr>
-          <p:nvPr>
-            <p:ph type="subTitle" idx="1"/>
-          </p:nvPr>
-        </p:nvSpPr>
-        <p:spPr>
-          <a:xfrm>
-            <a:off x="2829460" y="2833352"/>
-            <a:ext cx="8791575" cy="2398690"/>
-          </a:xfrm>
-        </p:spPr>
-        <p:txBody>
-          <a:bodyPr/>
-          <a:lstStyle/>
-          <a:p>
-            <a:pPr marL="457200" indent="-457200">
-              <a:buAutoNum type="arabicPeriod"/>
-            </a:pPr>
-            <a:r>
-              <a:rPr lang="en-US" dirty="0" smtClean="0">
-                <a:solidFill>
-                  <a:schemeClr val="bg1"/>
-                </a:solidFill>
-              </a:rPr>
-              <a:t>Joynath barman</a:t>
-            </a:r>
-          </a:p>
-          <a:p>
-            <a:pPr marL="457200" indent="-457200">
-              <a:buAutoNum type="arabicPeriod"/>
-            </a:pPr>
-            <a:r>
-              <a:rPr lang="en-US" dirty="0" smtClean="0">
-                <a:solidFill>
-                  <a:schemeClr val="bg1"/>
-                </a:solidFill>
-              </a:rPr>
-              <a:t>ROHIT KUMAR</a:t>
-            </a:r>
-          </a:p>
-          <a:p>
-            <a:pPr marL="457200" indent="-457200">
-              <a:buAutoNum type="arabicPeriod"/>
-            </a:pPr>
-            <a:r>
-              <a:rPr lang="en-US" dirty="0" smtClean="0">
-                <a:solidFill>
-                  <a:schemeClr val="bg1"/>
-                </a:solidFill>
-              </a:rPr>
-              <a:t>SHIVA DAS</a:t>
-            </a:r>
-          </a:p>
-          <a:p>
-            <a:pPr marL="457200" indent="-457200">
-              <a:buAutoNum type="arabicPeriod"/>
-            </a:pPr>
-            <a:r>
-              <a:rPr lang="en-US" dirty="0" smtClean="0">
-                <a:solidFill>
-                  <a:schemeClr val="bg1"/>
-                </a:solidFill>
-              </a:rPr>
-              <a:t>PIYUSH KUMAR</a:t>
-            </a:r>
-            <a:endParaRPr lang="en-US" dirty="0">
+            <a:endParaRPr lang="en-US" sz="6800" dirty="0">
               <a:solidFill>
                 <a:schemeClr val="bg1"/>
               </a:solidFill>
@@ -12471,7 +12399,7 @@
     </p:spTree>
     <p:extLst>
       <p:ext uri="{BB962C8B-B14F-4D97-AF65-F5344CB8AC3E}">
-        <p14:creationId xmlns:p14="http://schemas.microsoft.com/office/powerpoint/2010/main" val="1629417277"/>
+        <p14:creationId xmlns:p14="http://schemas.microsoft.com/office/powerpoint/2010/main" val="3731685290"/>
       </p:ext>
     </p:extLst>
   </p:cSld>
@@ -12489,72 +12417,6 @@
 </file>
 
 <file path=ppt/slides/slide10.xml><?xml version="1.0" encoding="utf-8"?>
-<p:sld xmlns:a="http://schemas.openxmlformats.org/drawingml/2006/main" xmlns:r="http://schemas.openxmlformats.org/officeDocument/2006/relationships" xmlns:p="http://schemas.openxmlformats.org/presentationml/2006/main">
-  <p:cSld>
-    <p:spTree>
-      <p:nvGrpSpPr>
-        <p:cNvPr id="1" name=""/>
-        <p:cNvGrpSpPr/>
-        <p:nvPr/>
-      </p:nvGrpSpPr>
-      <p:grpSpPr>
-        <a:xfrm>
-          <a:off x="0" y="0"/>
-          <a:ext cx="0" cy="0"/>
-          <a:chOff x="0" y="0"/>
-          <a:chExt cx="0" cy="0"/>
-        </a:xfrm>
-      </p:grpSpPr>
-      <p:pic>
-        <p:nvPicPr>
-          <p:cNvPr id="2" name="Picture 1"/>
-          <p:cNvPicPr>
-            <a:picLocks noChangeAspect="1"/>
-          </p:cNvPicPr>
-          <p:nvPr/>
-        </p:nvPicPr>
-        <p:blipFill rotWithShape="1">
-          <a:blip r:embed="rId2">
-            <a:extLst>
-              <a:ext uri="{28A0092B-C50C-407E-A947-70E740481C1C}">
-                <a14:useLocalDpi xmlns:a14="http://schemas.microsoft.com/office/drawing/2010/main" val="0"/>
-              </a:ext>
-            </a:extLst>
-          </a:blip>
-          <a:srcRect l="640" t="2277" r="55697" b="51742"/>
-          <a:stretch/>
-        </p:blipFill>
-        <p:spPr>
-          <a:xfrm>
-            <a:off x="2743200" y="1622737"/>
-            <a:ext cx="6259132" cy="3707756"/>
-          </a:xfrm>
-          <a:prstGeom prst="rect">
-            <a:avLst/>
-          </a:prstGeom>
-        </p:spPr>
-      </p:pic>
-    </p:spTree>
-    <p:extLst>
-      <p:ext uri="{BB962C8B-B14F-4D97-AF65-F5344CB8AC3E}">
-        <p14:creationId xmlns:p14="http://schemas.microsoft.com/office/powerpoint/2010/main" val="3600750928"/>
-      </p:ext>
-    </p:extLst>
-  </p:cSld>
-  <p:clrMapOvr>
-    <a:masterClrMapping/>
-  </p:clrMapOvr>
-  <p:timing>
-    <p:tnLst>
-      <p:par>
-        <p:cTn id="1" dur="indefinite" restart="never" nodeType="tmRoot"/>
-      </p:par>
-    </p:tnLst>
-  </p:timing>
-</p:sld>
-</file>
-
-<file path=ppt/slides/slide11.xml><?xml version="1.0" encoding="utf-8"?>
 <p:sld xmlns:a="http://schemas.openxmlformats.org/drawingml/2006/main" xmlns:r="http://schemas.openxmlformats.org/officeDocument/2006/relationships" xmlns:p="http://schemas.openxmlformats.org/presentationml/2006/main">
   <p:cSld>
     <p:spTree>
@@ -12620,7 +12482,7 @@
 </p:sld>
 </file>
 
-<file path=ppt/slides/slide12.xml><?xml version="1.0" encoding="utf-8"?>
+<file path=ppt/slides/slide11.xml><?xml version="1.0" encoding="utf-8"?>
 <p:sld xmlns:a="http://schemas.openxmlformats.org/drawingml/2006/main" xmlns:r="http://schemas.openxmlformats.org/officeDocument/2006/relationships" xmlns:p="http://schemas.openxmlformats.org/presentationml/2006/main">
   <p:cSld>
     <p:spTree>
@@ -12712,81 +12574,6 @@
       </p:grpSpPr>
       <p:sp>
         <p:nvSpPr>
-          <p:cNvPr id="2" name="Title 1"/>
-          <p:cNvSpPr>
-            <a:spLocks noGrp="1"/>
-          </p:cNvSpPr>
-          <p:nvPr>
-            <p:ph type="ctrTitle"/>
-          </p:nvPr>
-        </p:nvSpPr>
-        <p:spPr>
-          <a:xfrm>
-            <a:off x="1940818" y="1289788"/>
-            <a:ext cx="8791575" cy="2380690"/>
-          </a:xfrm>
-        </p:spPr>
-        <p:txBody>
-          <a:bodyPr>
-            <a:normAutofit/>
-          </a:bodyPr>
-          <a:lstStyle/>
-          <a:p>
-            <a:r>
-              <a:rPr lang="en-US" sz="6800" dirty="0" smtClean="0">
-                <a:solidFill>
-                  <a:schemeClr val="bg1"/>
-                </a:solidFill>
-              </a:rPr>
-              <a:t>BUG TRACKING SYSTEM</a:t>
-            </a:r>
-            <a:endParaRPr lang="en-US" sz="6800" dirty="0">
-              <a:solidFill>
-                <a:schemeClr val="bg1"/>
-              </a:solidFill>
-            </a:endParaRPr>
-          </a:p>
-        </p:txBody>
-      </p:sp>
-    </p:spTree>
-    <p:extLst>
-      <p:ext uri="{BB962C8B-B14F-4D97-AF65-F5344CB8AC3E}">
-        <p14:creationId xmlns:p14="http://schemas.microsoft.com/office/powerpoint/2010/main" val="3731685290"/>
-      </p:ext>
-    </p:extLst>
-  </p:cSld>
-  <p:clrMapOvr>
-    <a:masterClrMapping/>
-  </p:clrMapOvr>
-  <p:timing>
-    <p:tnLst>
-      <p:par>
-        <p:cTn id="1" dur="indefinite" restart="never" nodeType="tmRoot"/>
-      </p:par>
-    </p:tnLst>
-  </p:timing>
-</p:sld>
-</file>
-
-<file path=ppt/slides/slide3.xml><?xml version="1.0" encoding="utf-8"?>
-<p:sld xmlns:a="http://schemas.openxmlformats.org/drawingml/2006/main" xmlns:r="http://schemas.openxmlformats.org/officeDocument/2006/relationships" xmlns:p="http://schemas.openxmlformats.org/presentationml/2006/main">
-  <p:cSld>
-    <p:spTree>
-      <p:nvGrpSpPr>
-        <p:cNvPr id="1" name=""/>
-        <p:cNvGrpSpPr/>
-        <p:nvPr/>
-      </p:nvGrpSpPr>
-      <p:grpSpPr>
-        <a:xfrm>
-          <a:off x="0" y="0"/>
-          <a:ext cx="0" cy="0"/>
-          <a:chOff x="0" y="0"/>
-          <a:chExt cx="0" cy="0"/>
-        </a:xfrm>
-      </p:grpSpPr>
-      <p:sp>
-        <p:nvSpPr>
           <p:cNvPr id="3" name="Subtitle 2"/>
           <p:cNvSpPr>
             <a:spLocks noGrp="1"/>
@@ -12815,11 +12602,6 @@
               </a:rPr>
               <a:t>Bug tracking system is essentially and effectively implemented to monitor the status of bugs in an application. All the bugs that are identified are stored in a database. Each bug is assigned with an unique bug id and respective status of bug. Bugs can be created and updated with ease. </a:t>
             </a:r>
-            <a:endParaRPr lang="en-US" sz="2400" dirty="0">
-              <a:solidFill>
-                <a:schemeClr val="bg1"/>
-              </a:solidFill>
-            </a:endParaRPr>
           </a:p>
         </p:txBody>
       </p:sp>
@@ -12843,7 +12625,7 @@
 </p:sld>
 </file>
 
-<file path=ppt/slides/slide4.xml><?xml version="1.0" encoding="utf-8"?>
+<file path=ppt/slides/slide3.xml><?xml version="1.0" encoding="utf-8"?>
 <p:sld xmlns:a="http://schemas.openxmlformats.org/drawingml/2006/main" xmlns:r="http://schemas.openxmlformats.org/officeDocument/2006/relationships" xmlns:p="http://schemas.openxmlformats.org/presentationml/2006/main">
   <p:cSld>
     <p:spTree>
@@ -12909,7 +12691,7 @@
 </p:sld>
 </file>
 
-<file path=ppt/slides/slide5.xml><?xml version="1.0" encoding="utf-8"?>
+<file path=ppt/slides/slide4.xml><?xml version="1.0" encoding="utf-8"?>
 <p:sld xmlns:a="http://schemas.openxmlformats.org/drawingml/2006/main" xmlns:r="http://schemas.openxmlformats.org/officeDocument/2006/relationships" xmlns:p="http://schemas.openxmlformats.org/presentationml/2006/main">
   <p:cSld>
     <p:spTree>
@@ -12975,7 +12757,7 @@
 </p:sld>
 </file>
 
-<file path=ppt/slides/slide6.xml><?xml version="1.0" encoding="utf-8"?>
+<file path=ppt/slides/slide5.xml><?xml version="1.0" encoding="utf-8"?>
 <p:sld xmlns:a="http://schemas.openxmlformats.org/drawingml/2006/main" xmlns:r="http://schemas.openxmlformats.org/officeDocument/2006/relationships" xmlns:p="http://schemas.openxmlformats.org/presentationml/2006/main">
   <p:cSld>
     <p:spTree>
@@ -13041,7 +12823,7 @@
 </p:sld>
 </file>
 
-<file path=ppt/slides/slide7.xml><?xml version="1.0" encoding="utf-8"?>
+<file path=ppt/slides/slide6.xml><?xml version="1.0" encoding="utf-8"?>
 <p:sld xmlns:a="http://schemas.openxmlformats.org/drawingml/2006/main" xmlns:r="http://schemas.openxmlformats.org/officeDocument/2006/relationships" xmlns:p="http://schemas.openxmlformats.org/presentationml/2006/main">
   <p:cSld>
     <p:spTree>
@@ -13107,7 +12889,7 @@
 </p:sld>
 </file>
 
-<file path=ppt/slides/slide8.xml><?xml version="1.0" encoding="utf-8"?>
+<file path=ppt/slides/slide7.xml><?xml version="1.0" encoding="utf-8"?>
 <p:sld xmlns:a="http://schemas.openxmlformats.org/drawingml/2006/main" xmlns:r="http://schemas.openxmlformats.org/officeDocument/2006/relationships" xmlns:p="http://schemas.openxmlformats.org/presentationml/2006/main">
   <p:cSld>
     <p:spTree>
@@ -13173,7 +12955,7 @@
 </p:sld>
 </file>
 
-<file path=ppt/slides/slide9.xml><?xml version="1.0" encoding="utf-8"?>
+<file path=ppt/slides/slide8.xml><?xml version="1.0" encoding="utf-8"?>
 <p:sld xmlns:a="http://schemas.openxmlformats.org/drawingml/2006/main" xmlns:r="http://schemas.openxmlformats.org/officeDocument/2006/relationships" xmlns:p="http://schemas.openxmlformats.org/presentationml/2006/main">
   <p:cSld>
     <p:spTree>
@@ -13223,6 +13005,72 @@
     <p:extLst>
       <p:ext uri="{BB962C8B-B14F-4D97-AF65-F5344CB8AC3E}">
         <p14:creationId xmlns:p14="http://schemas.microsoft.com/office/powerpoint/2010/main" val="4200982153"/>
+      </p:ext>
+    </p:extLst>
+  </p:cSld>
+  <p:clrMapOvr>
+    <a:masterClrMapping/>
+  </p:clrMapOvr>
+  <p:timing>
+    <p:tnLst>
+      <p:par>
+        <p:cTn id="1" dur="indefinite" restart="never" nodeType="tmRoot"/>
+      </p:par>
+    </p:tnLst>
+  </p:timing>
+</p:sld>
+</file>
+
+<file path=ppt/slides/slide9.xml><?xml version="1.0" encoding="utf-8"?>
+<p:sld xmlns:a="http://schemas.openxmlformats.org/drawingml/2006/main" xmlns:r="http://schemas.openxmlformats.org/officeDocument/2006/relationships" xmlns:p="http://schemas.openxmlformats.org/presentationml/2006/main">
+  <p:cSld>
+    <p:spTree>
+      <p:nvGrpSpPr>
+        <p:cNvPr id="1" name=""/>
+        <p:cNvGrpSpPr/>
+        <p:nvPr/>
+      </p:nvGrpSpPr>
+      <p:grpSpPr>
+        <a:xfrm>
+          <a:off x="0" y="0"/>
+          <a:ext cx="0" cy="0"/>
+          <a:chOff x="0" y="0"/>
+          <a:chExt cx="0" cy="0"/>
+        </a:xfrm>
+      </p:grpSpPr>
+      <p:pic>
+        <p:nvPicPr>
+          <p:cNvPr id="2" name="Picture 1"/>
+          <p:cNvPicPr>
+            <a:picLocks noChangeAspect="1"/>
+          </p:cNvPicPr>
+          <p:nvPr/>
+        </p:nvPicPr>
+        <p:blipFill rotWithShape="1">
+          <a:blip r:embed="rId2">
+            <a:extLst>
+              <a:ext uri="{28A0092B-C50C-407E-A947-70E740481C1C}">
+                <a14:useLocalDpi xmlns:a14="http://schemas.microsoft.com/office/drawing/2010/main" val="0"/>
+              </a:ext>
+            </a:extLst>
+          </a:blip>
+          <a:srcRect l="640" t="2277" r="55697" b="51742"/>
+          <a:stretch/>
+        </p:blipFill>
+        <p:spPr>
+          <a:xfrm>
+            <a:off x="2743200" y="1622737"/>
+            <a:ext cx="6259132" cy="3707756"/>
+          </a:xfrm>
+          <a:prstGeom prst="rect">
+            <a:avLst/>
+          </a:prstGeom>
+        </p:spPr>
+      </p:pic>
+    </p:spTree>
+    <p:extLst>
+      <p:ext uri="{BB962C8B-B14F-4D97-AF65-F5344CB8AC3E}">
+        <p14:creationId xmlns:p14="http://schemas.microsoft.com/office/powerpoint/2010/main" val="3600750928"/>
       </p:ext>
     </p:extLst>
   </p:cSld>
